--- a/assets/prototypes/icons.pptx
+++ b/assets/prototypes/icons.pptx
@@ -8,7 +8,8 @@
     <p:sldId id="256" r:id="rId2"/>
     <p:sldId id="259" r:id="rId3"/>
     <p:sldId id="258" r:id="rId4"/>
-    <p:sldId id="260" r:id="rId5"/>
+    <p:sldId id="261" r:id="rId5"/>
+    <p:sldId id="260" r:id="rId6"/>
   </p:sldIdLst>
   <p:sldSz cx="7199313" cy="7199313"/>
   <p:notesSz cx="6858000" cy="9144000"/>
@@ -246,7 +247,7 @@
           <a:p>
             <a:fld id="{F5E22A3B-05DB-7546-B6D4-9A6AA174B677}" type="datetimeFigureOut">
               <a:rPr lang="de-DE" smtClean="0"/>
-              <a:t>17.10.23</a:t>
+              <a:t>21.10.23</a:t>
             </a:fld>
             <a:endParaRPr lang="de-DE"/>
           </a:p>
@@ -416,7 +417,7 @@
           <a:p>
             <a:fld id="{F5E22A3B-05DB-7546-B6D4-9A6AA174B677}" type="datetimeFigureOut">
               <a:rPr lang="de-DE" smtClean="0"/>
-              <a:t>17.10.23</a:t>
+              <a:t>21.10.23</a:t>
             </a:fld>
             <a:endParaRPr lang="de-DE"/>
           </a:p>
@@ -596,7 +597,7 @@
           <a:p>
             <a:fld id="{F5E22A3B-05DB-7546-B6D4-9A6AA174B677}" type="datetimeFigureOut">
               <a:rPr lang="de-DE" smtClean="0"/>
-              <a:t>17.10.23</a:t>
+              <a:t>21.10.23</a:t>
             </a:fld>
             <a:endParaRPr lang="de-DE"/>
           </a:p>
@@ -766,7 +767,7 @@
           <a:p>
             <a:fld id="{F5E22A3B-05DB-7546-B6D4-9A6AA174B677}" type="datetimeFigureOut">
               <a:rPr lang="de-DE" smtClean="0"/>
-              <a:t>17.10.23</a:t>
+              <a:t>21.10.23</a:t>
             </a:fld>
             <a:endParaRPr lang="de-DE"/>
           </a:p>
@@ -1010,7 +1011,7 @@
           <a:p>
             <a:fld id="{F5E22A3B-05DB-7546-B6D4-9A6AA174B677}" type="datetimeFigureOut">
               <a:rPr lang="de-DE" smtClean="0"/>
-              <a:t>17.10.23</a:t>
+              <a:t>21.10.23</a:t>
             </a:fld>
             <a:endParaRPr lang="de-DE"/>
           </a:p>
@@ -1242,7 +1243,7 @@
           <a:p>
             <a:fld id="{F5E22A3B-05DB-7546-B6D4-9A6AA174B677}" type="datetimeFigureOut">
               <a:rPr lang="de-DE" smtClean="0"/>
-              <a:t>17.10.23</a:t>
+              <a:t>21.10.23</a:t>
             </a:fld>
             <a:endParaRPr lang="de-DE"/>
           </a:p>
@@ -1609,7 +1610,7 @@
           <a:p>
             <a:fld id="{F5E22A3B-05DB-7546-B6D4-9A6AA174B677}" type="datetimeFigureOut">
               <a:rPr lang="de-DE" smtClean="0"/>
-              <a:t>17.10.23</a:t>
+              <a:t>21.10.23</a:t>
             </a:fld>
             <a:endParaRPr lang="de-DE"/>
           </a:p>
@@ -1727,7 +1728,7 @@
           <a:p>
             <a:fld id="{F5E22A3B-05DB-7546-B6D4-9A6AA174B677}" type="datetimeFigureOut">
               <a:rPr lang="de-DE" smtClean="0"/>
-              <a:t>17.10.23</a:t>
+              <a:t>21.10.23</a:t>
             </a:fld>
             <a:endParaRPr lang="de-DE"/>
           </a:p>
@@ -1822,7 +1823,7 @@
           <a:p>
             <a:fld id="{F5E22A3B-05DB-7546-B6D4-9A6AA174B677}" type="datetimeFigureOut">
               <a:rPr lang="de-DE" smtClean="0"/>
-              <a:t>17.10.23</a:t>
+              <a:t>21.10.23</a:t>
             </a:fld>
             <a:endParaRPr lang="de-DE"/>
           </a:p>
@@ -2099,7 +2100,7 @@
           <a:p>
             <a:fld id="{F5E22A3B-05DB-7546-B6D4-9A6AA174B677}" type="datetimeFigureOut">
               <a:rPr lang="de-DE" smtClean="0"/>
-              <a:t>17.10.23</a:t>
+              <a:t>21.10.23</a:t>
             </a:fld>
             <a:endParaRPr lang="de-DE"/>
           </a:p>
@@ -2356,7 +2357,7 @@
           <a:p>
             <a:fld id="{F5E22A3B-05DB-7546-B6D4-9A6AA174B677}" type="datetimeFigureOut">
               <a:rPr lang="de-DE" smtClean="0"/>
-              <a:t>17.10.23</a:t>
+              <a:t>21.10.23</a:t>
             </a:fld>
             <a:endParaRPr lang="de-DE"/>
           </a:p>
@@ -2569,7 +2570,7 @@
           <a:p>
             <a:fld id="{F5E22A3B-05DB-7546-B6D4-9A6AA174B677}" type="datetimeFigureOut">
               <a:rPr lang="de-DE" smtClean="0"/>
-              <a:t>17.10.23</a:t>
+              <a:t>21.10.23</a:t>
             </a:fld>
             <a:endParaRPr lang="de-DE"/>
           </a:p>
@@ -3923,6 +3924,319 @@
                 <a:noFill/>
                 <a:ln w="76200">
                   <a:solidFill>
+                    <a:srgbClr val="006E1C"/>
+                  </a:solidFill>
+                </a:ln>
+              </p:spPr>
+              <p:style>
+                <a:lnRef idx="2">
+                  <a:schemeClr val="accent6"/>
+                </a:lnRef>
+                <a:fillRef idx="1">
+                  <a:schemeClr val="lt1"/>
+                </a:fillRef>
+                <a:effectRef idx="0">
+                  <a:schemeClr val="accent6"/>
+                </a:effectRef>
+                <a:fontRef idx="minor">
+                  <a:schemeClr val="dk1"/>
+                </a:fontRef>
+              </p:style>
+              <p:txBody>
+                <a:bodyPr rtlCol="0" anchor="ctr"/>
+                <a:lstStyle/>
+                <a:p>
+                  <a:pPr algn="ctr"/>
+                  <a:endParaRPr lang="de-DE" dirty="0"/>
+                </a:p>
+              </p:txBody>
+            </p:sp>
+          </p:grpSp>
+        </p:grpSp>
+        <p:sp>
+          <p:nvSpPr>
+            <p:cNvPr id="15" name="Oval 14">
+              <a:extLst>
+                <a:ext uri="{FF2B5EF4-FFF2-40B4-BE49-F238E27FC236}">
+                  <a16:creationId xmlns:a16="http://schemas.microsoft.com/office/drawing/2014/main" id="{1D47B7DC-38EC-2B8F-E843-9A458042DD1B}"/>
+                </a:ext>
+              </a:extLst>
+            </p:cNvPr>
+            <p:cNvSpPr/>
+            <p:nvPr/>
+          </p:nvSpPr>
+          <p:spPr>
+            <a:xfrm>
+              <a:off x="2099773" y="2919046"/>
+              <a:ext cx="244843" cy="257908"/>
+            </a:xfrm>
+            <a:prstGeom prst="ellipse">
+              <a:avLst/>
+            </a:prstGeom>
+            <a:solidFill>
+              <a:srgbClr val="006E1C"/>
+            </a:solidFill>
+            <a:ln>
+              <a:solidFill>
+                <a:srgbClr val="006E1C"/>
+              </a:solidFill>
+            </a:ln>
+          </p:spPr>
+          <p:style>
+            <a:lnRef idx="2">
+              <a:schemeClr val="accent1">
+                <a:shade val="15000"/>
+              </a:schemeClr>
+            </a:lnRef>
+            <a:fillRef idx="1">
+              <a:schemeClr val="accent1"/>
+            </a:fillRef>
+            <a:effectRef idx="0">
+              <a:schemeClr val="accent1"/>
+            </a:effectRef>
+            <a:fontRef idx="minor">
+              <a:schemeClr val="lt1"/>
+            </a:fontRef>
+          </p:style>
+          <p:txBody>
+            <a:bodyPr rtlCol="0" anchor="ctr"/>
+            <a:lstStyle/>
+            <a:p>
+              <a:pPr algn="ctr"/>
+              <a:endParaRPr lang="de-DE"/>
+            </a:p>
+          </p:txBody>
+        </p:sp>
+      </p:grpSp>
+    </p:spTree>
+    <p:extLst>
+      <p:ext uri="{BB962C8B-B14F-4D97-AF65-F5344CB8AC3E}">
+        <p14:creationId xmlns:p14="http://schemas.microsoft.com/office/powerpoint/2010/main" val="3760151539"/>
+      </p:ext>
+    </p:extLst>
+  </p:cSld>
+  <p:clrMapOvr>
+    <a:masterClrMapping/>
+  </p:clrMapOvr>
+</p:sld>
+</file>
+
+<file path=ppt/slides/slide5.xml><?xml version="1.0" encoding="utf-8"?>
+<p:sld xmlns:a="http://schemas.openxmlformats.org/drawingml/2006/main" xmlns:r="http://schemas.openxmlformats.org/officeDocument/2006/relationships" xmlns:p="http://schemas.openxmlformats.org/presentationml/2006/main">
+  <p:cSld>
+    <p:bg>
+      <p:bgPr>
+        <a:solidFill>
+          <a:srgbClr val="191C18"/>
+        </a:solidFill>
+        <a:effectLst/>
+      </p:bgPr>
+    </p:bg>
+    <p:spTree>
+      <p:nvGrpSpPr>
+        <p:cNvPr id="1" name=""/>
+        <p:cNvGrpSpPr/>
+        <p:nvPr/>
+      </p:nvGrpSpPr>
+      <p:grpSpPr>
+        <a:xfrm>
+          <a:off x="0" y="0"/>
+          <a:ext cx="0" cy="0"/>
+          <a:chOff x="0" y="0"/>
+          <a:chExt cx="0" cy="0"/>
+        </a:xfrm>
+      </p:grpSpPr>
+      <p:grpSp>
+        <p:nvGrpSpPr>
+          <p:cNvPr id="19" name="Gruppieren 18">
+            <a:extLst>
+              <a:ext uri="{FF2B5EF4-FFF2-40B4-BE49-F238E27FC236}">
+                <a16:creationId xmlns:a16="http://schemas.microsoft.com/office/drawing/2014/main" id="{3809E073-6EEF-E5F8-E23E-91DE726B2A94}"/>
+              </a:ext>
+            </a:extLst>
+          </p:cNvPr>
+          <p:cNvGrpSpPr/>
+          <p:nvPr/>
+        </p:nvGrpSpPr>
+        <p:grpSpPr>
+          <a:xfrm>
+            <a:off x="-509282" y="257909"/>
+            <a:ext cx="8217876" cy="7350369"/>
+            <a:chOff x="754382" y="633404"/>
+            <a:chExt cx="5690547" cy="5811525"/>
+          </a:xfrm>
+        </p:grpSpPr>
+        <p:grpSp>
+          <p:nvGrpSpPr>
+            <p:cNvPr id="18" name="Gruppieren 17">
+              <a:extLst>
+                <a:ext uri="{FF2B5EF4-FFF2-40B4-BE49-F238E27FC236}">
+                  <a16:creationId xmlns:a16="http://schemas.microsoft.com/office/drawing/2014/main" id="{62B8979D-606D-75F7-ED55-632B7FBD7F78}"/>
+                </a:ext>
+              </a:extLst>
+            </p:cNvPr>
+            <p:cNvGrpSpPr/>
+            <p:nvPr/>
+          </p:nvGrpSpPr>
+          <p:grpSpPr>
+            <a:xfrm>
+              <a:off x="754382" y="633404"/>
+              <a:ext cx="5690547" cy="5811525"/>
+              <a:chOff x="754382" y="633404"/>
+              <a:chExt cx="5690547" cy="5811525"/>
+            </a:xfrm>
+          </p:grpSpPr>
+          <p:pic>
+            <p:nvPicPr>
+              <p:cNvPr id="5" name="Grafik 4" descr="Sparschwein Silhouette">
+                <a:extLst>
+                  <a:ext uri="{FF2B5EF4-FFF2-40B4-BE49-F238E27FC236}">
+                    <a16:creationId xmlns:a16="http://schemas.microsoft.com/office/drawing/2014/main" id="{80A7577F-AA8B-7DFD-CCDF-904286E4E615}"/>
+                  </a:ext>
+                </a:extLst>
+              </p:cNvPr>
+              <p:cNvPicPr>
+                <a:picLocks noChangeAspect="1"/>
+              </p:cNvPicPr>
+              <p:nvPr/>
+            </p:nvPicPr>
+            <p:blipFill>
+              <a:blip r:embed="rId2">
+                <a:extLst>
+                  <a:ext uri="{96DAC541-7B7A-43D3-8B79-37D633B846F1}">
+                    <asvg:svgBlip xmlns:asvg="http://schemas.microsoft.com/office/drawing/2016/SVG/main" r:embed="rId3"/>
+                  </a:ext>
+                </a:extLst>
+              </a:blip>
+              <a:stretch>
+                <a:fillRect/>
+              </a:stretch>
+            </p:blipFill>
+            <p:spPr>
+              <a:xfrm>
+                <a:off x="754382" y="754382"/>
+                <a:ext cx="5690547" cy="5690547"/>
+              </a:xfrm>
+              <a:prstGeom prst="rect">
+                <a:avLst/>
+              </a:prstGeom>
+            </p:spPr>
+          </p:pic>
+          <p:grpSp>
+            <p:nvGrpSpPr>
+              <p:cNvPr id="16" name="Gruppieren 15">
+                <a:extLst>
+                  <a:ext uri="{FF2B5EF4-FFF2-40B4-BE49-F238E27FC236}">
+                    <a16:creationId xmlns:a16="http://schemas.microsoft.com/office/drawing/2014/main" id="{FBE5AB62-AEFE-6E4B-DAF5-F210C3E79AA6}"/>
+                  </a:ext>
+                </a:extLst>
+              </p:cNvPr>
+              <p:cNvGrpSpPr/>
+              <p:nvPr/>
+            </p:nvGrpSpPr>
+            <p:grpSpPr>
+              <a:xfrm>
+                <a:off x="2795796" y="633404"/>
+                <a:ext cx="1334367" cy="1278933"/>
+                <a:chOff x="2633564" y="603907"/>
+                <a:chExt cx="1334367" cy="1278933"/>
+              </a:xfrm>
+            </p:grpSpPr>
+            <p:pic>
+              <p:nvPicPr>
+                <p:cNvPr id="7" name="Grafik 6" descr="Dollar mit einfarbiger Füllung">
+                  <a:extLst>
+                    <a:ext uri="{FF2B5EF4-FFF2-40B4-BE49-F238E27FC236}">
+                      <a16:creationId xmlns:a16="http://schemas.microsoft.com/office/drawing/2014/main" id="{B1A60DD8-3F56-09A8-A06B-715B438F535F}"/>
+                    </a:ext>
+                  </a:extLst>
+                </p:cNvPr>
+                <p:cNvPicPr>
+                  <a:picLocks noChangeAspect="1"/>
+                </p:cNvPicPr>
+                <p:nvPr/>
+              </p:nvPicPr>
+              <p:blipFill>
+                <a:blip r:embed="rId4">
+                  <a:extLst>
+                    <a:ext uri="{96DAC541-7B7A-43D3-8B79-37D633B846F1}">
+                      <asvg:svgBlip xmlns:asvg="http://schemas.microsoft.com/office/drawing/2016/SVG/main" r:embed="rId5"/>
+                    </a:ext>
+                  </a:extLst>
+                </a:blip>
+                <a:stretch>
+                  <a:fillRect/>
+                </a:stretch>
+              </p:blipFill>
+              <p:spPr>
+                <a:xfrm>
+                  <a:off x="2633564" y="845459"/>
+                  <a:ext cx="795828" cy="795828"/>
+                </a:xfrm>
+                <a:prstGeom prst="rect">
+                  <a:avLst/>
+                </a:prstGeom>
+              </p:spPr>
+            </p:pic>
+            <p:pic>
+              <p:nvPicPr>
+                <p:cNvPr id="11" name="Grafik 10" descr="Euro mit einfarbiger Füllung">
+                  <a:extLst>
+                    <a:ext uri="{FF2B5EF4-FFF2-40B4-BE49-F238E27FC236}">
+                      <a16:creationId xmlns:a16="http://schemas.microsoft.com/office/drawing/2014/main" id="{7D3F93FC-B29F-58F5-E6AA-DF5070E51A04}"/>
+                    </a:ext>
+                  </a:extLst>
+                </p:cNvPr>
+                <p:cNvPicPr>
+                  <a:picLocks noChangeAspect="1"/>
+                </p:cNvPicPr>
+                <p:nvPr/>
+              </p:nvPicPr>
+              <p:blipFill>
+                <a:blip r:embed="rId6">
+                  <a:extLst>
+                    <a:ext uri="{96DAC541-7B7A-43D3-8B79-37D633B846F1}">
+                      <asvg:svgBlip xmlns:asvg="http://schemas.microsoft.com/office/drawing/2016/SVG/main" r:embed="rId7"/>
+                    </a:ext>
+                  </a:extLst>
+                </a:blip>
+                <a:stretch>
+                  <a:fillRect/>
+                </a:stretch>
+              </p:blipFill>
+              <p:spPr>
+                <a:xfrm>
+                  <a:off x="3164490" y="845687"/>
+                  <a:ext cx="795600" cy="795600"/>
+                </a:xfrm>
+                <a:prstGeom prst="rect">
+                  <a:avLst/>
+                </a:prstGeom>
+              </p:spPr>
+            </p:pic>
+            <p:sp>
+              <p:nvSpPr>
+                <p:cNvPr id="14" name="Oval 13">
+                  <a:extLst>
+                    <a:ext uri="{FF2B5EF4-FFF2-40B4-BE49-F238E27FC236}">
+                      <a16:creationId xmlns:a16="http://schemas.microsoft.com/office/drawing/2014/main" id="{C374EB36-569C-3C7F-31EA-BE35697F57ED}"/>
+                    </a:ext>
+                  </a:extLst>
+                </p:cNvPr>
+                <p:cNvSpPr/>
+                <p:nvPr/>
+              </p:nvSpPr>
+              <p:spPr>
+                <a:xfrm>
+                  <a:off x="2689931" y="603907"/>
+                  <a:ext cx="1278000" cy="1278933"/>
+                </a:xfrm>
+                <a:prstGeom prst="ellipse">
+                  <a:avLst/>
+                </a:prstGeom>
+                <a:noFill/>
+                <a:ln w="76200">
+                  <a:solidFill>
                     <a:srgbClr val="70D16F"/>
                   </a:solidFill>
                 </a:ln>
